--- a/xmind/Slide For VIB/VIB_Part4.pptx
+++ b/xmind/Slide For VIB/VIB_Part4.pptx
@@ -9399,7 +9399,7 @@
           <a:p>
             <a:fld id="{D646A940-0B55-4A74-A322-77202D9E85AF}" type="datetimeFigureOut">
               <a:rPr lang="en-US" smtClean="0"/>
-              <a:t>7/22/2015</a:t>
+              <a:t>7/28/2015</a:t>
             </a:fld>
             <a:endParaRPr lang="en-US"/>
           </a:p>
@@ -10212,7 +10212,7 @@
           <a:p>
             <a:fld id="{DE232201-B8D7-452C-8AB1-80042270467A}" type="datetimeFigureOut">
               <a:rPr lang="en-US" smtClean="0"/>
-              <a:t>7/22/2015</a:t>
+              <a:t>7/28/2015</a:t>
             </a:fld>
             <a:endParaRPr lang="en-US"/>
           </a:p>
@@ -10513,7 +10513,7 @@
           <a:p>
             <a:fld id="{DE232201-B8D7-452C-8AB1-80042270467A}" type="datetimeFigureOut">
               <a:rPr lang="en-US" smtClean="0"/>
-              <a:t>7/22/2015</a:t>
+              <a:t>7/28/2015</a:t>
             </a:fld>
             <a:endParaRPr lang="en-US"/>
           </a:p>
@@ -10655,7 +10655,7 @@
           <a:p>
             <a:fld id="{DE232201-B8D7-452C-8AB1-80042270467A}" type="datetimeFigureOut">
               <a:rPr lang="en-US" smtClean="0"/>
-              <a:t>7/22/2015</a:t>
+              <a:t>7/28/2015</a:t>
             </a:fld>
             <a:endParaRPr lang="en-US"/>
           </a:p>
@@ -10767,7 +10767,7 @@
           <a:p>
             <a:fld id="{DE232201-B8D7-452C-8AB1-80042270467A}" type="datetimeFigureOut">
               <a:rPr lang="en-US" smtClean="0"/>
-              <a:t>7/22/2015</a:t>
+              <a:t>7/28/2015</a:t>
             </a:fld>
             <a:endParaRPr lang="en-US"/>
           </a:p>
@@ -11072,7 +11072,7 @@
           <a:p>
             <a:fld id="{DE232201-B8D7-452C-8AB1-80042270467A}" type="datetimeFigureOut">
               <a:rPr lang="en-US" smtClean="0"/>
-              <a:t>7/22/2015</a:t>
+              <a:t>7/28/2015</a:t>
             </a:fld>
             <a:endParaRPr lang="en-US"/>
           </a:p>
@@ -11534,7 +11534,7 @@
           <a:p>
             <a:fld id="{DE232201-B8D7-452C-8AB1-80042270467A}" type="datetimeFigureOut">
               <a:rPr lang="en-US" smtClean="0"/>
-              <a:t>7/22/2015</a:t>
+              <a:t>7/28/2015</a:t>
             </a:fld>
             <a:endParaRPr lang="en-US"/>
           </a:p>
@@ -11808,7 +11808,7 @@
           <a:p>
             <a:fld id="{DE232201-B8D7-452C-8AB1-80042270467A}" type="datetimeFigureOut">
               <a:rPr lang="en-US" smtClean="0"/>
-              <a:t>7/22/2015</a:t>
+              <a:t>7/28/2015</a:t>
             </a:fld>
             <a:endParaRPr lang="en-US"/>
           </a:p>
@@ -12128,7 +12128,7 @@
           <a:p>
             <a:fld id="{DE232201-B8D7-452C-8AB1-80042270467A}" type="datetimeFigureOut">
               <a:rPr lang="en-US" smtClean="0"/>
-              <a:t>7/22/2015</a:t>
+              <a:t>7/28/2015</a:t>
             </a:fld>
             <a:endParaRPr lang="en-US"/>
           </a:p>
@@ -12760,7 +12760,7 @@
         <p:spPr>
           <a:xfrm>
             <a:off x="449263" y="1598613"/>
-            <a:ext cx="8229600" cy="2523768"/>
+            <a:ext cx="8229600" cy="3262432"/>
           </a:xfrm>
         </p:spPr>
         <p:txBody>
@@ -12776,8 +12776,31 @@
             <a:pPr lvl="1"/>
             <a:r>
               <a:rPr lang="en-US" dirty="0" smtClean="0"/>
-              <a:t>Code Review</a:t>
-            </a:r>
+              <a:t>Code </a:t>
+            </a:r>
+            <a:r>
+              <a:rPr lang="en-US" dirty="0" smtClean="0"/>
+              <a:t>Review</a:t>
+            </a:r>
+          </a:p>
+          <a:p>
+            <a:pPr lvl="1"/>
+            <a:r>
+              <a:rPr lang="en-US" dirty="0" smtClean="0"/>
+              <a:t>Mapping</a:t>
+            </a:r>
+          </a:p>
+          <a:p>
+            <a:pPr lvl="1"/>
+            <a:r>
+              <a:rPr lang="en-US" dirty="0" smtClean="0"/>
+              <a:t>Entry </a:t>
+            </a:r>
+            <a:r>
+              <a:rPr lang="en-US" smtClean="0"/>
+              <a:t>Point/End Point</a:t>
+            </a:r>
+            <a:endParaRPr lang="en-US" dirty="0" smtClean="0"/>
           </a:p>
           <a:p>
             <a:r>
@@ -13787,11 +13810,7 @@
           <a:p>
             <a:r>
               <a:rPr lang="en-US" dirty="0" smtClean="0"/>
-              <a:t>Not separate character ( | </a:t>
-            </a:r>
-            <a:r>
-              <a:rPr lang="en-US" dirty="0" smtClean="0"/>
-              <a:t>)</a:t>
+              <a:t>Not separate character ( | )</a:t>
             </a:r>
           </a:p>
           <a:p>
